--- a/플러터/프로젝트/12_.pptx
+++ b/플러터/프로젝트/12_.pptx
@@ -1202,7 +1202,7 @@
   <p:cSld>
     <p:spTree>
       <p:nvGrpSpPr>
-        <p:cNvPr id="163" name="Shape 163"/>
+        <p:cNvPr id="169" name="Shape 169"/>
         <p:cNvGrpSpPr/>
         <p:nvPr/>
       </p:nvGrpSpPr>
@@ -1216,7 +1216,7 @@
       </p:grpSpPr>
       <p:sp>
         <p:nvSpPr>
-          <p:cNvPr id="164" name="Google Shape;164;g354317207c1_0_2:notes"/>
+          <p:cNvPr id="170" name="Google Shape;170;g354317207c1_0_2:notes"/>
           <p:cNvSpPr/>
           <p:nvPr>
             <p:ph idx="2" type="sldImg"/>
@@ -1251,7 +1251,7 @@
       </p:sp>
       <p:sp>
         <p:nvSpPr>
-          <p:cNvPr id="165" name="Google Shape;165;g354317207c1_0_2:notes"/>
+          <p:cNvPr id="171" name="Google Shape;171;g354317207c1_0_2:notes"/>
           <p:cNvSpPr txBox="1"/>
           <p:nvPr>
             <p:ph idx="1" type="body"/>
@@ -1301,7 +1301,7 @@
   <p:cSld>
     <p:spTree>
       <p:nvGrpSpPr>
-        <p:cNvPr id="178" name="Shape 178"/>
+        <p:cNvPr id="184" name="Shape 184"/>
         <p:cNvGrpSpPr/>
         <p:nvPr/>
       </p:nvGrpSpPr>
@@ -1315,7 +1315,7 @@
       </p:grpSpPr>
       <p:sp>
         <p:nvSpPr>
-          <p:cNvPr id="179" name="Google Shape;179;g357ce63dcf5_0_0:notes"/>
+          <p:cNvPr id="185" name="Google Shape;185;g357ce63dcf5_0_0:notes"/>
           <p:cNvSpPr/>
           <p:nvPr>
             <p:ph idx="2" type="sldImg"/>
@@ -1350,7 +1350,7 @@
       </p:sp>
       <p:sp>
         <p:nvSpPr>
-          <p:cNvPr id="180" name="Google Shape;180;g357ce63dcf5_0_0:notes"/>
+          <p:cNvPr id="186" name="Google Shape;186;g357ce63dcf5_0_0:notes"/>
           <p:cNvSpPr txBox="1"/>
           <p:nvPr>
             <p:ph idx="1" type="body"/>
@@ -1400,7 +1400,7 @@
   <p:cSld>
     <p:spTree>
       <p:nvGrpSpPr>
-        <p:cNvPr id="184" name="Shape 184"/>
+        <p:cNvPr id="191" name="Shape 191"/>
         <p:cNvGrpSpPr/>
         <p:nvPr/>
       </p:nvGrpSpPr>
@@ -1414,7 +1414,7 @@
       </p:grpSpPr>
       <p:sp>
         <p:nvSpPr>
-          <p:cNvPr id="185" name="Google Shape;185;g357ce63dcf5_0_5:notes"/>
+          <p:cNvPr id="192" name="Google Shape;192;g36919e7814a_0_11:notes"/>
           <p:cNvSpPr/>
           <p:nvPr>
             <p:ph idx="2" type="sldImg"/>
@@ -1449,7 +1449,7 @@
       </p:sp>
       <p:sp>
         <p:nvSpPr>
-          <p:cNvPr id="186" name="Google Shape;186;g357ce63dcf5_0_5:notes"/>
+          <p:cNvPr id="193" name="Google Shape;193;g36919e7814a_0_11:notes"/>
           <p:cNvSpPr txBox="1"/>
           <p:nvPr>
             <p:ph idx="1" type="body"/>
@@ -11163,7 +11163,7 @@
         <p:spPr>
           <a:xfrm>
             <a:off x="3608475" y="2549250"/>
-            <a:ext cx="1623900" cy="45000"/>
+            <a:ext cx="704100" cy="45000"/>
           </a:xfrm>
           <a:prstGeom prst="rect">
             <a:avLst/>
@@ -11211,66 +11211,12 @@
       <p:sp>
         <p:nvSpPr>
           <p:cNvPr id="159" name="Google Shape;159;p17"/>
-          <p:cNvSpPr/>
-          <p:nvPr/>
-        </p:nvSpPr>
-        <p:spPr>
-          <a:xfrm>
-            <a:off x="5239375" y="2673925"/>
-            <a:ext cx="608400" cy="45000"/>
-          </a:xfrm>
-          <a:prstGeom prst="rect">
-            <a:avLst/>
-          </a:prstGeom>
-          <a:solidFill>
-            <a:srgbClr val="FF0000"/>
-          </a:solidFill>
-          <a:ln cap="flat" cmpd="sng" w="9525">
-            <a:solidFill>
-              <a:schemeClr val="dk2"/>
-            </a:solidFill>
-            <a:prstDash val="solid"/>
-            <a:round/>
-            <a:headEnd len="sm" w="sm" type="none"/>
-            <a:tailEnd len="sm" w="sm" type="none"/>
-          </a:ln>
-        </p:spPr>
-        <p:txBody>
-          <a:bodyPr anchorCtr="0" anchor="ctr" bIns="91425" lIns="91425" spcFirstLastPara="1" rIns="91425" wrap="square" tIns="91425">
-            <a:noAutofit/>
-          </a:bodyPr>
-          <a:lstStyle/>
-          <a:p>
-            <a:pPr indent="0" lvl="0" marL="0" rtl="0" algn="ctr">
-              <a:spcBef>
-                <a:spcPts val="0"/>
-              </a:spcBef>
-              <a:spcAft>
-                <a:spcPts val="0"/>
-              </a:spcAft>
-              <a:buNone/>
-            </a:pPr>
-            <a:r>
-              <a:t/>
-            </a:r>
-            <a:endParaRPr>
-              <a:latin typeface="Calibri"/>
-              <a:ea typeface="Calibri"/>
-              <a:cs typeface="Calibri"/>
-              <a:sym typeface="Calibri"/>
-            </a:endParaRPr>
-          </a:p>
-        </p:txBody>
-      </p:sp>
-      <p:sp>
-        <p:nvSpPr>
-          <p:cNvPr id="160" name="Google Shape;160;p17"/>
           <p:cNvSpPr txBox="1"/>
           <p:nvPr/>
         </p:nvSpPr>
         <p:spPr>
           <a:xfrm>
-            <a:off x="3551725" y="2294400"/>
+            <a:off x="2970444" y="2247690"/>
             <a:ext cx="608400" cy="261600"/>
           </a:xfrm>
           <a:prstGeom prst="rect">
@@ -11328,13 +11274,185 @@
       </p:sp>
       <p:sp>
         <p:nvSpPr>
+          <p:cNvPr id="160" name="Google Shape;160;p17"/>
+          <p:cNvSpPr/>
+          <p:nvPr/>
+        </p:nvSpPr>
+        <p:spPr>
+          <a:xfrm>
+            <a:off x="5133975" y="2657550"/>
+            <a:ext cx="704100" cy="45000"/>
+          </a:xfrm>
+          <a:prstGeom prst="rect">
+            <a:avLst/>
+          </a:prstGeom>
+          <a:solidFill>
+            <a:srgbClr val="FF0000"/>
+          </a:solidFill>
+          <a:ln cap="flat" cmpd="sng" w="9525">
+            <a:solidFill>
+              <a:schemeClr val="dk2"/>
+            </a:solidFill>
+            <a:prstDash val="solid"/>
+            <a:round/>
+            <a:headEnd len="sm" w="sm" type="none"/>
+            <a:tailEnd len="sm" w="sm" type="none"/>
+          </a:ln>
+        </p:spPr>
+        <p:txBody>
+          <a:bodyPr anchorCtr="0" anchor="ctr" bIns="91425" lIns="91425" spcFirstLastPara="1" rIns="91425" wrap="square" tIns="91425">
+            <a:noAutofit/>
+          </a:bodyPr>
+          <a:lstStyle/>
+          <a:p>
+            <a:pPr indent="0" lvl="0" marL="0" rtl="0" algn="ctr">
+              <a:spcBef>
+                <a:spcPts val="0"/>
+              </a:spcBef>
+              <a:spcAft>
+                <a:spcPts val="0"/>
+              </a:spcAft>
+              <a:buNone/>
+            </a:pPr>
+            <a:r>
+              <a:t/>
+            </a:r>
+            <a:endParaRPr>
+              <a:latin typeface="Calibri"/>
+              <a:ea typeface="Calibri"/>
+              <a:cs typeface="Calibri"/>
+              <a:sym typeface="Calibri"/>
+            </a:endParaRPr>
+          </a:p>
+        </p:txBody>
+      </p:sp>
+      <p:sp>
+        <p:nvSpPr>
           <p:cNvPr id="161" name="Google Shape;161;p17"/>
+          <p:cNvSpPr/>
+          <p:nvPr/>
+        </p:nvSpPr>
+        <p:spPr>
+          <a:xfrm>
+            <a:off x="4339350" y="2549250"/>
+            <a:ext cx="794700" cy="45000"/>
+          </a:xfrm>
+          <a:prstGeom prst="rect">
+            <a:avLst/>
+          </a:prstGeom>
+          <a:solidFill>
+            <a:srgbClr val="FF0000"/>
+          </a:solidFill>
+          <a:ln cap="flat" cmpd="sng" w="9525">
+            <a:solidFill>
+              <a:schemeClr val="dk2"/>
+            </a:solidFill>
+            <a:prstDash val="solid"/>
+            <a:round/>
+            <a:headEnd len="sm" w="sm" type="none"/>
+            <a:tailEnd len="sm" w="sm" type="none"/>
+          </a:ln>
+        </p:spPr>
+        <p:txBody>
+          <a:bodyPr anchorCtr="0" anchor="ctr" bIns="91425" lIns="91425" spcFirstLastPara="1" rIns="91425" wrap="square" tIns="91425">
+            <a:noAutofit/>
+          </a:bodyPr>
+          <a:lstStyle/>
+          <a:p>
+            <a:pPr indent="0" lvl="0" marL="0" rtl="0" algn="ctr">
+              <a:spcBef>
+                <a:spcPts val="0"/>
+              </a:spcBef>
+              <a:spcAft>
+                <a:spcPts val="0"/>
+              </a:spcAft>
+              <a:buNone/>
+            </a:pPr>
+            <a:r>
+              <a:t/>
+            </a:r>
+            <a:endParaRPr>
+              <a:latin typeface="Calibri"/>
+              <a:ea typeface="Calibri"/>
+              <a:cs typeface="Calibri"/>
+              <a:sym typeface="Calibri"/>
+            </a:endParaRPr>
+          </a:p>
+        </p:txBody>
+      </p:sp>
+      <p:sp>
+        <p:nvSpPr>
+          <p:cNvPr id="162" name="Google Shape;162;p17"/>
           <p:cNvSpPr txBox="1"/>
           <p:nvPr/>
         </p:nvSpPr>
         <p:spPr>
           <a:xfrm>
-            <a:off x="5168086" y="2440950"/>
+            <a:off x="3665829" y="2394261"/>
+            <a:ext cx="608400" cy="261600"/>
+          </a:xfrm>
+          <a:prstGeom prst="rect">
+            <a:avLst/>
+          </a:prstGeom>
+          <a:noFill/>
+          <a:ln>
+            <a:noFill/>
+          </a:ln>
+        </p:spPr>
+        <p:txBody>
+          <a:bodyPr anchorCtr="0" anchor="t" bIns="91425" lIns="91425" spcFirstLastPara="1" rIns="91425" wrap="square" tIns="91425">
+            <a:spAutoFit/>
+          </a:bodyPr>
+          <a:lstStyle/>
+          <a:p>
+            <a:pPr indent="0" lvl="0" marL="0" rtl="0" algn="l">
+              <a:spcBef>
+                <a:spcPts val="0"/>
+              </a:spcBef>
+              <a:spcAft>
+                <a:spcPts val="0"/>
+              </a:spcAft>
+              <a:buNone/>
+            </a:pPr>
+            <a:r>
+              <a:rPr lang="ko" sz="500">
+                <a:solidFill>
+                  <a:schemeClr val="dk2"/>
+                </a:solidFill>
+                <a:highlight>
+                  <a:schemeClr val="dk1"/>
+                </a:highlight>
+                <a:latin typeface="Calibri"/>
+                <a:ea typeface="Calibri"/>
+                <a:cs typeface="Calibri"/>
+                <a:sym typeface="Calibri"/>
+              </a:rPr>
+              <a:t>개발 계획 구성</a:t>
+            </a:r>
+            <a:endParaRPr sz="500">
+              <a:solidFill>
+                <a:schemeClr val="dk2"/>
+              </a:solidFill>
+              <a:highlight>
+                <a:schemeClr val="dk1"/>
+              </a:highlight>
+              <a:latin typeface="Calibri"/>
+              <a:ea typeface="Calibri"/>
+              <a:cs typeface="Calibri"/>
+              <a:sym typeface="Calibri"/>
+            </a:endParaRPr>
+          </a:p>
+        </p:txBody>
+      </p:sp>
+      <p:sp>
+        <p:nvSpPr>
+          <p:cNvPr id="163" name="Google Shape;163;p17"/>
+          <p:cNvSpPr txBox="1"/>
+          <p:nvPr/>
+        </p:nvSpPr>
+        <p:spPr>
+          <a:xfrm>
+            <a:off x="4360472" y="2394250"/>
             <a:ext cx="912600" cy="261600"/>
           </a:xfrm>
           <a:prstGeom prst="rect">
@@ -11392,14 +11510,14 @@
       </p:sp>
       <p:sp>
         <p:nvSpPr>
-          <p:cNvPr id="162" name="Google Shape;162;p17"/>
+          <p:cNvPr id="164" name="Google Shape;164;p17"/>
           <p:cNvSpPr txBox="1"/>
           <p:nvPr/>
         </p:nvSpPr>
         <p:spPr>
           <a:xfrm>
-            <a:off x="5781450" y="2565625"/>
-            <a:ext cx="1031700" cy="261600"/>
+            <a:off x="5135600" y="2500871"/>
+            <a:ext cx="1012200" cy="261600"/>
           </a:xfrm>
           <a:prstGeom prst="rect">
             <a:avLst/>
@@ -11437,7 +11555,7 @@
                 <a:cs typeface="Calibri"/>
                 <a:sym typeface="Calibri"/>
               </a:rPr>
-              <a:t>벡엔드(스프링),DB(MySql) 구성</a:t>
+              <a:t>벡엔드(스프링), DB(MySql) 연동</a:t>
             </a:r>
             <a:endParaRPr sz="500">
               <a:solidFill>
@@ -11446,6 +11564,230 @@
               <a:highlight>
                 <a:schemeClr val="dk1"/>
               </a:highlight>
+              <a:latin typeface="Calibri"/>
+              <a:ea typeface="Calibri"/>
+              <a:cs typeface="Calibri"/>
+              <a:sym typeface="Calibri"/>
+            </a:endParaRPr>
+          </a:p>
+        </p:txBody>
+      </p:sp>
+      <p:sp>
+        <p:nvSpPr>
+          <p:cNvPr id="165" name="Google Shape;165;p17"/>
+          <p:cNvSpPr/>
+          <p:nvPr/>
+        </p:nvSpPr>
+        <p:spPr>
+          <a:xfrm>
+            <a:off x="2429364" y="3172114"/>
+            <a:ext cx="77100" cy="77100"/>
+          </a:xfrm>
+          <a:prstGeom prst="rect">
+            <a:avLst/>
+          </a:prstGeom>
+          <a:solidFill>
+            <a:schemeClr val="dk1"/>
+          </a:solidFill>
+          <a:ln cap="flat" cmpd="sng" w="9525">
+            <a:solidFill>
+              <a:schemeClr val="dk1"/>
+            </a:solidFill>
+            <a:prstDash val="solid"/>
+            <a:round/>
+            <a:headEnd len="sm" w="sm" type="none"/>
+            <a:tailEnd len="sm" w="sm" type="none"/>
+          </a:ln>
+        </p:spPr>
+        <p:txBody>
+          <a:bodyPr anchorCtr="0" anchor="ctr" bIns="91425" lIns="91425" spcFirstLastPara="1" rIns="91425" wrap="square" tIns="91425">
+            <a:noAutofit/>
+          </a:bodyPr>
+          <a:lstStyle/>
+          <a:p>
+            <a:pPr indent="0" lvl="0" marL="0" rtl="0" algn="ctr">
+              <a:spcBef>
+                <a:spcPts val="0"/>
+              </a:spcBef>
+              <a:spcAft>
+                <a:spcPts val="0"/>
+              </a:spcAft>
+              <a:buNone/>
+            </a:pPr>
+            <a:r>
+              <a:t/>
+            </a:r>
+            <a:endParaRPr>
+              <a:latin typeface="Calibri"/>
+              <a:ea typeface="Calibri"/>
+              <a:cs typeface="Calibri"/>
+              <a:sym typeface="Calibri"/>
+            </a:endParaRPr>
+          </a:p>
+        </p:txBody>
+      </p:sp>
+      <p:sp>
+        <p:nvSpPr>
+          <p:cNvPr id="166" name="Google Shape;166;p17"/>
+          <p:cNvSpPr/>
+          <p:nvPr/>
+        </p:nvSpPr>
+        <p:spPr>
+          <a:xfrm>
+            <a:off x="1999689" y="3172114"/>
+            <a:ext cx="77100" cy="77100"/>
+          </a:xfrm>
+          <a:prstGeom prst="rect">
+            <a:avLst/>
+          </a:prstGeom>
+          <a:solidFill>
+            <a:schemeClr val="dk1"/>
+          </a:solidFill>
+          <a:ln cap="flat" cmpd="sng" w="9525">
+            <a:solidFill>
+              <a:schemeClr val="dk1"/>
+            </a:solidFill>
+            <a:prstDash val="solid"/>
+            <a:round/>
+            <a:headEnd len="sm" w="sm" type="none"/>
+            <a:tailEnd len="sm" w="sm" type="none"/>
+          </a:ln>
+        </p:spPr>
+        <p:txBody>
+          <a:bodyPr anchorCtr="0" anchor="ctr" bIns="91425" lIns="91425" spcFirstLastPara="1" rIns="91425" wrap="square" tIns="91425">
+            <a:noAutofit/>
+          </a:bodyPr>
+          <a:lstStyle/>
+          <a:p>
+            <a:pPr indent="0" lvl="0" marL="0" rtl="0" algn="ctr">
+              <a:spcBef>
+                <a:spcPts val="0"/>
+              </a:spcBef>
+              <a:spcAft>
+                <a:spcPts val="0"/>
+              </a:spcAft>
+              <a:buNone/>
+            </a:pPr>
+            <a:r>
+              <a:t/>
+            </a:r>
+            <a:endParaRPr>
+              <a:latin typeface="Calibri"/>
+              <a:ea typeface="Calibri"/>
+              <a:cs typeface="Calibri"/>
+              <a:sym typeface="Calibri"/>
+            </a:endParaRPr>
+          </a:p>
+        </p:txBody>
+      </p:sp>
+      <p:sp>
+        <p:nvSpPr>
+          <p:cNvPr id="167" name="Google Shape;167;p17"/>
+          <p:cNvSpPr txBox="1"/>
+          <p:nvPr/>
+        </p:nvSpPr>
+        <p:spPr>
+          <a:xfrm>
+            <a:off x="2343711" y="3071861"/>
+            <a:ext cx="312600" cy="276900"/>
+          </a:xfrm>
+          <a:prstGeom prst="rect">
+            <a:avLst/>
+          </a:prstGeom>
+          <a:noFill/>
+          <a:ln>
+            <a:noFill/>
+          </a:ln>
+        </p:spPr>
+        <p:txBody>
+          <a:bodyPr anchorCtr="0" anchor="t" bIns="91425" lIns="91425" spcFirstLastPara="1" rIns="91425" wrap="square" tIns="91425">
+            <a:spAutoFit/>
+          </a:bodyPr>
+          <a:lstStyle/>
+          <a:p>
+            <a:pPr indent="0" lvl="0" marL="0" rtl="0" algn="l">
+              <a:spcBef>
+                <a:spcPts val="0"/>
+              </a:spcBef>
+              <a:spcAft>
+                <a:spcPts val="0"/>
+              </a:spcAft>
+              <a:buNone/>
+            </a:pPr>
+            <a:r>
+              <a:rPr lang="ko" sz="600">
+                <a:solidFill>
+                  <a:schemeClr val="dk2"/>
+                </a:solidFill>
+                <a:latin typeface="Calibri"/>
+                <a:ea typeface="Calibri"/>
+                <a:cs typeface="Calibri"/>
+                <a:sym typeface="Calibri"/>
+              </a:rPr>
+              <a:t>24</a:t>
+            </a:r>
+            <a:endParaRPr sz="600">
+              <a:solidFill>
+                <a:schemeClr val="dk2"/>
+              </a:solidFill>
+              <a:latin typeface="Calibri"/>
+              <a:ea typeface="Calibri"/>
+              <a:cs typeface="Calibri"/>
+              <a:sym typeface="Calibri"/>
+            </a:endParaRPr>
+          </a:p>
+        </p:txBody>
+      </p:sp>
+      <p:sp>
+        <p:nvSpPr>
+          <p:cNvPr id="168" name="Google Shape;168;p17"/>
+          <p:cNvSpPr txBox="1"/>
+          <p:nvPr/>
+        </p:nvSpPr>
+        <p:spPr>
+          <a:xfrm>
+            <a:off x="1906000" y="3071861"/>
+            <a:ext cx="312600" cy="276900"/>
+          </a:xfrm>
+          <a:prstGeom prst="rect">
+            <a:avLst/>
+          </a:prstGeom>
+          <a:noFill/>
+          <a:ln>
+            <a:noFill/>
+          </a:ln>
+        </p:spPr>
+        <p:txBody>
+          <a:bodyPr anchorCtr="0" anchor="t" bIns="91425" lIns="91425" spcFirstLastPara="1" rIns="91425" wrap="square" tIns="91425">
+            <a:spAutoFit/>
+          </a:bodyPr>
+          <a:lstStyle/>
+          <a:p>
+            <a:pPr indent="0" lvl="0" marL="0" rtl="0" algn="l">
+              <a:spcBef>
+                <a:spcPts val="0"/>
+              </a:spcBef>
+              <a:spcAft>
+                <a:spcPts val="0"/>
+              </a:spcAft>
+              <a:buNone/>
+            </a:pPr>
+            <a:r>
+              <a:rPr lang="ko" sz="600">
+                <a:solidFill>
+                  <a:schemeClr val="dk2"/>
+                </a:solidFill>
+                <a:latin typeface="Calibri"/>
+                <a:ea typeface="Calibri"/>
+                <a:cs typeface="Calibri"/>
+                <a:sym typeface="Calibri"/>
+              </a:rPr>
+              <a:t>24</a:t>
+            </a:r>
+            <a:endParaRPr sz="600">
+              <a:solidFill>
+                <a:schemeClr val="dk2"/>
+              </a:solidFill>
               <a:latin typeface="Calibri"/>
               <a:ea typeface="Calibri"/>
               <a:cs typeface="Calibri"/>
@@ -11467,7 +11809,7 @@
   <p:cSld>
     <p:spTree>
       <p:nvGrpSpPr>
-        <p:cNvPr id="166" name="Shape 166"/>
+        <p:cNvPr id="172" name="Shape 172"/>
         <p:cNvGrpSpPr/>
         <p:nvPr/>
       </p:nvGrpSpPr>
@@ -11481,7 +11823,7 @@
       </p:grpSpPr>
       <p:sp>
         <p:nvSpPr>
-          <p:cNvPr id="167" name="Google Shape;167;p18"/>
+          <p:cNvPr id="173" name="Google Shape;173;p18"/>
           <p:cNvSpPr txBox="1"/>
           <p:nvPr>
             <p:ph type="title"/>
@@ -11521,7 +11863,7 @@
       </p:sp>
       <p:pic>
         <p:nvPicPr>
-          <p:cNvPr id="168" name="Google Shape;168;p18"/>
+          <p:cNvPr id="174" name="Google Shape;174;p18"/>
           <p:cNvPicPr preferRelativeResize="0"/>
           <p:nvPr/>
         </p:nvPicPr>
@@ -11549,7 +11891,7 @@
       </p:pic>
       <p:sp>
         <p:nvSpPr>
-          <p:cNvPr id="169" name="Google Shape;169;p18"/>
+          <p:cNvPr id="175" name="Google Shape;175;p18"/>
           <p:cNvSpPr txBox="1"/>
           <p:nvPr/>
         </p:nvSpPr>
@@ -11607,7 +11949,7 @@
       </p:sp>
       <p:sp>
         <p:nvSpPr>
-          <p:cNvPr id="170" name="Google Shape;170;p18"/>
+          <p:cNvPr id="176" name="Google Shape;176;p18"/>
           <p:cNvSpPr txBox="1"/>
           <p:nvPr/>
         </p:nvSpPr>
@@ -11665,7 +12007,7 @@
       </p:sp>
       <p:sp>
         <p:nvSpPr>
-          <p:cNvPr id="171" name="Google Shape;171;p18"/>
+          <p:cNvPr id="177" name="Google Shape;177;p18"/>
           <p:cNvSpPr txBox="1"/>
           <p:nvPr/>
         </p:nvSpPr>
@@ -11866,7 +12208,7 @@
       </p:sp>
       <p:sp>
         <p:nvSpPr>
-          <p:cNvPr id="172" name="Google Shape;172;p18"/>
+          <p:cNvPr id="178" name="Google Shape;178;p18"/>
           <p:cNvSpPr txBox="1"/>
           <p:nvPr/>
         </p:nvSpPr>
@@ -11927,7 +12269,7 @@
       </p:sp>
       <p:sp>
         <p:nvSpPr>
-          <p:cNvPr id="173" name="Google Shape;173;p18"/>
+          <p:cNvPr id="179" name="Google Shape;179;p18"/>
           <p:cNvSpPr txBox="1"/>
           <p:nvPr/>
         </p:nvSpPr>
@@ -11988,7 +12330,7 @@
       </p:sp>
       <p:sp>
         <p:nvSpPr>
-          <p:cNvPr id="174" name="Google Shape;174;p18"/>
+          <p:cNvPr id="180" name="Google Shape;180;p18"/>
           <p:cNvSpPr txBox="1"/>
           <p:nvPr/>
         </p:nvSpPr>
@@ -12049,7 +12391,7 @@
       </p:sp>
       <p:sp>
         <p:nvSpPr>
-          <p:cNvPr id="175" name="Google Shape;175;p18"/>
+          <p:cNvPr id="181" name="Google Shape;181;p18"/>
           <p:cNvSpPr txBox="1"/>
           <p:nvPr/>
         </p:nvSpPr>
@@ -12110,7 +12452,7 @@
       </p:sp>
       <p:sp>
         <p:nvSpPr>
-          <p:cNvPr id="176" name="Google Shape;176;p18"/>
+          <p:cNvPr id="182" name="Google Shape;182;p18"/>
           <p:cNvSpPr txBox="1"/>
           <p:nvPr/>
         </p:nvSpPr>
@@ -12171,7 +12513,7 @@
       </p:sp>
       <p:sp>
         <p:nvSpPr>
-          <p:cNvPr id="177" name="Google Shape;177;p18"/>
+          <p:cNvPr id="183" name="Google Shape;183;p18"/>
           <p:cNvSpPr txBox="1"/>
           <p:nvPr/>
         </p:nvSpPr>
@@ -12243,109 +12585,6 @@
   <p:cSld>
     <p:spTree>
       <p:nvGrpSpPr>
-        <p:cNvPr id="181" name="Shape 181"/>
-        <p:cNvGrpSpPr/>
-        <p:nvPr/>
-      </p:nvGrpSpPr>
-      <p:grpSpPr>
-        <a:xfrm>
-          <a:off x="0" y="0"/>
-          <a:ext cx="0" cy="0"/>
-          <a:chOff x="0" y="0"/>
-          <a:chExt cx="0" cy="0"/>
-        </a:xfrm>
-      </p:grpSpPr>
-      <p:sp>
-        <p:nvSpPr>
-          <p:cNvPr id="182" name="Google Shape;182;p19"/>
-          <p:cNvSpPr txBox="1"/>
-          <p:nvPr>
-            <p:ph type="title"/>
-          </p:nvPr>
-        </p:nvSpPr>
-        <p:spPr>
-          <a:xfrm>
-            <a:off x="819150" y="845600"/>
-            <a:ext cx="7505700" cy="954600"/>
-          </a:xfrm>
-          <a:prstGeom prst="rect">
-            <a:avLst/>
-          </a:prstGeom>
-        </p:spPr>
-        <p:txBody>
-          <a:bodyPr anchorCtr="0" anchor="t" bIns="91425" lIns="91425" spcFirstLastPara="1" rIns="91425" wrap="square" tIns="91425">
-            <a:normAutofit/>
-          </a:bodyPr>
-          <a:lstStyle/>
-          <a:p>
-            <a:pPr indent="0" lvl="0" marL="0" rtl="0" algn="l">
-              <a:spcBef>
-                <a:spcPts val="0"/>
-              </a:spcBef>
-              <a:spcAft>
-                <a:spcPts val="0"/>
-              </a:spcAft>
-              <a:buNone/>
-            </a:pPr>
-            <a:r>
-              <a:t/>
-            </a:r>
-            <a:endParaRPr/>
-          </a:p>
-        </p:txBody>
-      </p:sp>
-      <p:sp>
-        <p:nvSpPr>
-          <p:cNvPr id="183" name="Google Shape;183;p19"/>
-          <p:cNvSpPr txBox="1"/>
-          <p:nvPr>
-            <p:ph idx="1" type="body"/>
-          </p:nvPr>
-        </p:nvSpPr>
-        <p:spPr>
-          <a:xfrm>
-            <a:off x="819150" y="1990725"/>
-            <a:ext cx="7505700" cy="2448000"/>
-          </a:xfrm>
-          <a:prstGeom prst="rect">
-            <a:avLst/>
-          </a:prstGeom>
-        </p:spPr>
-        <p:txBody>
-          <a:bodyPr anchorCtr="0" anchor="t" bIns="91425" lIns="91425" spcFirstLastPara="1" rIns="91425" wrap="square" tIns="91425">
-            <a:normAutofit/>
-          </a:bodyPr>
-          <a:lstStyle/>
-          <a:p>
-            <a:pPr indent="0" lvl="0" marL="0" rtl="0" algn="l">
-              <a:spcBef>
-                <a:spcPts val="0"/>
-              </a:spcBef>
-              <a:spcAft>
-                <a:spcPts val="1200"/>
-              </a:spcAft>
-              <a:buNone/>
-            </a:pPr>
-            <a:r>
-              <a:t/>
-            </a:r>
-            <a:endParaRPr/>
-          </a:p>
-        </p:txBody>
-      </p:sp>
-    </p:spTree>
-  </p:cSld>
-  <p:clrMapOvr>
-    <a:masterClrMapping/>
-  </p:clrMapOvr>
-</p:sld>
-</file>
-
-<file path=ppt/slides/slide8.xml><?xml version="1.0" encoding="utf-8"?>
-<p:sld xmlns:a="http://schemas.openxmlformats.org/drawingml/2006/main" xmlns:r="http://schemas.openxmlformats.org/officeDocument/2006/relationships" xmlns:mc="http://schemas.openxmlformats.org/markup-compatibility/2006" xmlns:mv="urn:schemas-microsoft-com:mac:vml" xmlns:p="http://schemas.openxmlformats.org/presentationml/2006/main" xmlns:c="http://schemas.openxmlformats.org/drawingml/2006/chart" xmlns:dgm="http://schemas.openxmlformats.org/drawingml/2006/diagram" xmlns:o="urn:schemas-microsoft-com:office:office" xmlns:v="urn:schemas-microsoft-com:vml" xmlns:pvml="urn:schemas-microsoft-com:office:powerpoint" xmlns:com="http://schemas.openxmlformats.org/drawingml/2006/compatibility" xmlns:p14="http://schemas.microsoft.com/office/powerpoint/2010/main" xmlns:p15="http://schemas.microsoft.com/office/powerpoint/2012/main" xmlns:ahyp="http://schemas.microsoft.com/office/drawing/2018/hyperlinkcolor">
-  <p:cSld>
-    <p:spTree>
-      <p:nvGrpSpPr>
         <p:cNvPr id="187" name="Shape 187"/>
         <p:cNvGrpSpPr/>
         <p:nvPr/>
@@ -12360,7 +12599,7 @@
       </p:grpSpPr>
       <p:sp>
         <p:nvSpPr>
-          <p:cNvPr id="188" name="Google Shape;188;p20"/>
+          <p:cNvPr id="188" name="Google Shape;188;p19"/>
           <p:cNvSpPr txBox="1"/>
           <p:nvPr>
             <p:ph type="title"/>
@@ -12368,8 +12607,8 @@
         </p:nvSpPr>
         <p:spPr>
           <a:xfrm>
-            <a:off x="819150" y="845600"/>
-            <a:ext cx="7505700" cy="954600"/>
+            <a:off x="200525" y="188325"/>
+            <a:ext cx="3438300" cy="343200"/>
           </a:xfrm>
           <a:prstGeom prst="rect">
             <a:avLst/>
@@ -12377,7 +12616,7 @@
         </p:spPr>
         <p:txBody>
           <a:bodyPr anchorCtr="0" anchor="t" bIns="91425" lIns="91425" spcFirstLastPara="1" rIns="91425" wrap="square" tIns="91425">
-            <a:normAutofit/>
+            <a:normAutofit fontScale="90000"/>
           </a:bodyPr>
           <a:lstStyle/>
           <a:p>
@@ -12391,24 +12630,136 @@
               <a:buNone/>
             </a:pPr>
             <a:r>
-              <a:t/>
+              <a:rPr lang="ko" sz="1500"/>
+              <a:t>프론트(플러터) 기본 틀 구성</a:t>
             </a:r>
-            <a:endParaRPr/>
+            <a:endParaRPr sz="1500"/>
           </a:p>
         </p:txBody>
       </p:sp>
       <p:sp>
         <p:nvSpPr>
-          <p:cNvPr id="189" name="Google Shape;189;p20"/>
+          <p:cNvPr id="189" name="Google Shape;189;p19"/>
+          <p:cNvSpPr txBox="1"/>
+          <p:nvPr/>
+        </p:nvSpPr>
+        <p:spPr>
+          <a:xfrm>
+            <a:off x="4278625" y="1203950"/>
+            <a:ext cx="3712800" cy="384900"/>
+          </a:xfrm>
+          <a:prstGeom prst="rect">
+            <a:avLst/>
+          </a:prstGeom>
+          <a:noFill/>
+          <a:ln>
+            <a:noFill/>
+          </a:ln>
+        </p:spPr>
+        <p:txBody>
+          <a:bodyPr anchorCtr="0" anchor="t" bIns="91425" lIns="91425" spcFirstLastPara="1" rIns="91425" wrap="square" tIns="91425">
+            <a:spAutoFit/>
+          </a:bodyPr>
+          <a:lstStyle/>
+          <a:p>
+            <a:pPr indent="0" lvl="0" marL="0" rtl="0" algn="l">
+              <a:spcBef>
+                <a:spcPts val="0"/>
+              </a:spcBef>
+              <a:spcAft>
+                <a:spcPts val="0"/>
+              </a:spcAft>
+              <a:buNone/>
+            </a:pPr>
+            <a:r>
+              <a:rPr lang="ko" sz="1300">
+                <a:solidFill>
+                  <a:schemeClr val="dk2"/>
+                </a:solidFill>
+                <a:latin typeface="Calibri"/>
+                <a:ea typeface="Calibri"/>
+                <a:cs typeface="Calibri"/>
+                <a:sym typeface="Calibri"/>
+              </a:rPr>
+              <a:t>기본적인 UI의 형식을 맞추고 탭바 구분</a:t>
+            </a:r>
+            <a:endParaRPr sz="1300">
+              <a:solidFill>
+                <a:schemeClr val="dk2"/>
+              </a:solidFill>
+              <a:latin typeface="Calibri"/>
+              <a:ea typeface="Calibri"/>
+              <a:cs typeface="Calibri"/>
+              <a:sym typeface="Calibri"/>
+            </a:endParaRPr>
+          </a:p>
+        </p:txBody>
+      </p:sp>
+      <p:pic>
+        <p:nvPicPr>
+          <p:cNvPr id="190" name="Google Shape;190;p19"/>
+          <p:cNvPicPr preferRelativeResize="0"/>
+          <p:nvPr/>
+        </p:nvPicPr>
+        <p:blipFill>
+          <a:blip r:embed="rId3">
+            <a:alphaModFix/>
+          </a:blip>
+          <a:stretch>
+            <a:fillRect/>
+          </a:stretch>
+        </p:blipFill>
+        <p:spPr>
+          <a:xfrm>
+            <a:off x="867300" y="670551"/>
+            <a:ext cx="2771524" cy="4064300"/>
+          </a:xfrm>
+          <a:prstGeom prst="rect">
+            <a:avLst/>
+          </a:prstGeom>
+          <a:noFill/>
+          <a:ln>
+            <a:noFill/>
+          </a:ln>
+        </p:spPr>
+      </p:pic>
+    </p:spTree>
+  </p:cSld>
+  <p:clrMapOvr>
+    <a:masterClrMapping/>
+  </p:clrMapOvr>
+</p:sld>
+</file>
+
+<file path=ppt/slides/slide8.xml><?xml version="1.0" encoding="utf-8"?>
+<p:sld xmlns:a="http://schemas.openxmlformats.org/drawingml/2006/main" xmlns:r="http://schemas.openxmlformats.org/officeDocument/2006/relationships" xmlns:mc="http://schemas.openxmlformats.org/markup-compatibility/2006" xmlns:mv="urn:schemas-microsoft-com:mac:vml" xmlns:p="http://schemas.openxmlformats.org/presentationml/2006/main" xmlns:c="http://schemas.openxmlformats.org/drawingml/2006/chart" xmlns:dgm="http://schemas.openxmlformats.org/drawingml/2006/diagram" xmlns:o="urn:schemas-microsoft-com:office:office" xmlns:v="urn:schemas-microsoft-com:vml" xmlns:pvml="urn:schemas-microsoft-com:office:powerpoint" xmlns:com="http://schemas.openxmlformats.org/drawingml/2006/compatibility" xmlns:p14="http://schemas.microsoft.com/office/powerpoint/2010/main" xmlns:p15="http://schemas.microsoft.com/office/powerpoint/2012/main" xmlns:ahyp="http://schemas.microsoft.com/office/drawing/2018/hyperlinkcolor">
+  <p:cSld>
+    <p:spTree>
+      <p:nvGrpSpPr>
+        <p:cNvPr id="194" name="Shape 194"/>
+        <p:cNvGrpSpPr/>
+        <p:nvPr/>
+      </p:nvGrpSpPr>
+      <p:grpSpPr>
+        <a:xfrm>
+          <a:off x="0" y="0"/>
+          <a:ext cx="0" cy="0"/>
+          <a:chOff x="0" y="0"/>
+          <a:chExt cx="0" cy="0"/>
+        </a:xfrm>
+      </p:grpSpPr>
+      <p:sp>
+        <p:nvSpPr>
+          <p:cNvPr id="195" name="Google Shape;195;p20"/>
           <p:cNvSpPr txBox="1"/>
           <p:nvPr>
-            <p:ph idx="1" type="body"/>
+            <p:ph type="title"/>
           </p:nvPr>
         </p:nvSpPr>
         <p:spPr>
           <a:xfrm>
-            <a:off x="819150" y="1990725"/>
-            <a:ext cx="7505700" cy="2448000"/>
+            <a:off x="200525" y="188325"/>
+            <a:ext cx="3438300" cy="343200"/>
           </a:xfrm>
           <a:prstGeom prst="rect">
             <a:avLst/>
@@ -12416,7 +12767,7 @@
         </p:spPr>
         <p:txBody>
           <a:bodyPr anchorCtr="0" anchor="t" bIns="91425" lIns="91425" spcFirstLastPara="1" rIns="91425" wrap="square" tIns="91425">
-            <a:normAutofit/>
+            <a:normAutofit fontScale="90000"/>
           </a:bodyPr>
           <a:lstStyle/>
           <a:p>
@@ -12425,14 +12776,129 @@
                 <a:spcPts val="0"/>
               </a:spcBef>
               <a:spcAft>
-                <a:spcPts val="1200"/>
+                <a:spcPts val="0"/>
               </a:spcAft>
               <a:buNone/>
             </a:pPr>
             <a:r>
-              <a:t/>
+              <a:rPr lang="ko" sz="1500"/>
+              <a:t>백엔드(스프링), DB(MySql) 연동</a:t>
             </a:r>
-            <a:endParaRPr/>
+            <a:endParaRPr sz="1500"/>
+          </a:p>
+        </p:txBody>
+      </p:sp>
+      <p:pic>
+        <p:nvPicPr>
+          <p:cNvPr id="196" name="Google Shape;196;p20"/>
+          <p:cNvPicPr preferRelativeResize="0"/>
+          <p:nvPr/>
+        </p:nvPicPr>
+        <p:blipFill>
+          <a:blip r:embed="rId3">
+            <a:alphaModFix/>
+          </a:blip>
+          <a:stretch>
+            <a:fillRect/>
+          </a:stretch>
+        </p:blipFill>
+        <p:spPr>
+          <a:xfrm>
+            <a:off x="690325" y="919204"/>
+            <a:ext cx="4925075" cy="1708125"/>
+          </a:xfrm>
+          <a:prstGeom prst="rect">
+            <a:avLst/>
+          </a:prstGeom>
+          <a:noFill/>
+          <a:ln>
+            <a:noFill/>
+          </a:ln>
+        </p:spPr>
+      </p:pic>
+      <p:pic>
+        <p:nvPicPr>
+          <p:cNvPr id="197" name="Google Shape;197;p20"/>
+          <p:cNvPicPr preferRelativeResize="0"/>
+          <p:nvPr/>
+        </p:nvPicPr>
+        <p:blipFill>
+          <a:blip r:embed="rId4">
+            <a:alphaModFix/>
+          </a:blip>
+          <a:stretch>
+            <a:fillRect/>
+          </a:stretch>
+        </p:blipFill>
+        <p:spPr>
+          <a:xfrm>
+            <a:off x="657324" y="2843850"/>
+            <a:ext cx="2277500" cy="1994850"/>
+          </a:xfrm>
+          <a:prstGeom prst="rect">
+            <a:avLst/>
+          </a:prstGeom>
+          <a:noFill/>
+          <a:ln>
+            <a:noFill/>
+          </a:ln>
+        </p:spPr>
+      </p:pic>
+      <p:sp>
+        <p:nvSpPr>
+          <p:cNvPr id="198" name="Google Shape;198;p20"/>
+          <p:cNvSpPr txBox="1"/>
+          <p:nvPr/>
+        </p:nvSpPr>
+        <p:spPr>
+          <a:xfrm>
+            <a:off x="4198550" y="3172475"/>
+            <a:ext cx="4147500" cy="384900"/>
+          </a:xfrm>
+          <a:prstGeom prst="rect">
+            <a:avLst/>
+          </a:prstGeom>
+          <a:noFill/>
+          <a:ln>
+            <a:noFill/>
+          </a:ln>
+        </p:spPr>
+        <p:txBody>
+          <a:bodyPr anchorCtr="0" anchor="t" bIns="91425" lIns="91425" spcFirstLastPara="1" rIns="91425" wrap="square" tIns="91425">
+            <a:spAutoFit/>
+          </a:bodyPr>
+          <a:lstStyle/>
+          <a:p>
+            <a:pPr indent="0" lvl="0" marL="0" rtl="0" algn="l">
+              <a:spcBef>
+                <a:spcPts val="0"/>
+              </a:spcBef>
+              <a:spcAft>
+                <a:spcPts val="0"/>
+              </a:spcAft>
+              <a:buNone/>
+            </a:pPr>
+            <a:r>
+              <a:rPr lang="ko" sz="1300">
+                <a:solidFill>
+                  <a:schemeClr val="dk2"/>
+                </a:solidFill>
+                <a:latin typeface="Calibri"/>
+                <a:ea typeface="Calibri"/>
+                <a:cs typeface="Calibri"/>
+                <a:sym typeface="Calibri"/>
+              </a:rPr>
+              <a:t>스프링과 Mysql 연동, CORs 설정, entity 기본 설계</a:t>
+            </a:r>
+            <a:endParaRPr sz="1300">
+              <a:solidFill>
+                <a:schemeClr val="dk2"/>
+              </a:solidFill>
+              <a:latin typeface="Calibri"/>
+              <a:ea typeface="Calibri"/>
+              <a:cs typeface="Calibri"/>
+              <a:sym typeface="Calibri"/>
+            </a:endParaRPr>
           </a:p>
         </p:txBody>
       </p:sp>
